--- a/Calendario2019/Presentaciones/2_3_Expresiones matemáticas.pptx
+++ b/Calendario2019/Presentaciones/2_3_Expresiones matemáticas.pptx
@@ -30578,7 +30578,7 @@
           <p:nvPr>
             <p:extLst>
               <p:ext uri="{D42A27DB-BD31-4B8C-83A1-F6EECF244321}">
-                <p14:modId xmlns:p14="http://schemas.microsoft.com/office/powerpoint/2010/main" val="684845730"/>
+                <p14:modId xmlns:p14="http://schemas.microsoft.com/office/powerpoint/2010/main" val="447447951"/>
               </p:ext>
             </p:extLst>
           </p:nvPr>
@@ -30672,7 +30672,10 @@
                     <a:lstStyle/>
                     <a:p>
                       <a:pPr algn="ctr"/>
-                      <a:endParaRPr lang="es-MX" sz="1600" dirty="0"/>
+                      <a:r>
+                        <a:rPr lang="es-MX" sz="1600" dirty="0"/>
+                        <a:t>3.0</a:t>
+                      </a:r>
                     </a:p>
                   </a:txBody>
                   <a:tcPr/>
@@ -30683,7 +30686,10 @@
                     <a:lstStyle/>
                     <a:p>
                       <a:pPr algn="ctr"/>
-                      <a:endParaRPr lang="es-MX" sz="1600" dirty="0"/>
+                      <a:r>
+                        <a:rPr lang="es-MX" sz="1600" dirty="0"/>
+                        <a:t>4.0</a:t>
+                      </a:r>
                     </a:p>
                   </a:txBody>
                   <a:tcPr/>
@@ -30694,7 +30700,10 @@
                     <a:lstStyle/>
                     <a:p>
                       <a:pPr algn="ctr"/>
-                      <a:endParaRPr lang="es-MX" sz="1600" dirty="0"/>
+                      <a:r>
+                        <a:rPr lang="es-MX" sz="1600" dirty="0"/>
+                        <a:t>15.5884</a:t>
+                      </a:r>
                     </a:p>
                   </a:txBody>
                   <a:tcPr/>
@@ -30712,7 +30721,10 @@
                     <a:lstStyle/>
                     <a:p>
                       <a:pPr algn="ctr"/>
-                      <a:endParaRPr lang="es-MX" sz="1600" dirty="0"/>
+                      <a:r>
+                        <a:rPr lang="es-MX" sz="1600" dirty="0"/>
+                        <a:t>8.0</a:t>
+                      </a:r>
                     </a:p>
                   </a:txBody>
                   <a:tcPr/>
@@ -30723,7 +30735,10 @@
                     <a:lstStyle/>
                     <a:p>
                       <a:pPr algn="ctr"/>
-                      <a:endParaRPr lang="es-MX" sz="1600" dirty="0"/>
+                      <a:r>
+                        <a:rPr lang="es-MX" sz="1600" dirty="0"/>
+                        <a:t>11.0</a:t>
+                      </a:r>
                     </a:p>
                   </a:txBody>
                   <a:tcPr/>
@@ -30734,7 +30749,10 @@
                     <a:lstStyle/>
                     <a:p>
                       <a:pPr algn="ctr"/>
-                      <a:endParaRPr lang="es-MX" sz="1600" dirty="0"/>
+                      <a:r>
+                        <a:rPr lang="es-MX" sz="1600" dirty="0"/>
+                        <a:t>304.8409</a:t>
+                      </a:r>
                     </a:p>
                   </a:txBody>
                   <a:tcPr/>
@@ -30752,7 +30770,10 @@
                     <a:lstStyle/>
                     <a:p>
                       <a:pPr algn="ctr"/>
-                      <a:endParaRPr lang="es-MX" sz="1600" dirty="0"/>
+                      <a:r>
+                        <a:rPr lang="es-MX" sz="1600" dirty="0"/>
+                        <a:t>2.5</a:t>
+                      </a:r>
                     </a:p>
                   </a:txBody>
                   <a:tcPr/>
@@ -30779,7 +30800,10 @@
                         <a:tabLst/>
                         <a:defRPr/>
                       </a:pPr>
-                      <a:endParaRPr lang="es-MX" sz="1600" dirty="0"/>
+                      <a:r>
+                        <a:rPr lang="es-MX" sz="1600" dirty="0"/>
+                        <a:t>7.2</a:t>
+                      </a:r>
                     </a:p>
                   </a:txBody>
                   <a:tcPr/>
@@ -30806,7 +30830,10 @@
                         <a:tabLst/>
                         <a:defRPr/>
                       </a:pPr>
-                      <a:endParaRPr lang="es-MX" sz="1600" dirty="0"/>
+                      <a:r>
+                        <a:rPr lang="es-MX" sz="1600" dirty="0"/>
+                        <a:t>19.4855</a:t>
+                      </a:r>
                     </a:p>
                   </a:txBody>
                   <a:tcPr/>
